--- a/boards/openmv-cam/v1/cam-v1-pinout.pptx
+++ b/boards/openmv-cam/v1/cam-v1-pinout.pptx
@@ -154,7 +154,7 @@
           </a:lstStyle>
           <a:p>
             <a:r>
-              <a:rPr lang="en-US" smtClean="0"/>
+              <a:rPr lang="en-US"/>
               <a:t>Click to edit Master title style</a:t>
             </a:r>
             <a:endParaRPr lang="en-US" dirty="0"/>
@@ -219,7 +219,7 @@
           </a:lstStyle>
           <a:p>
             <a:r>
-              <a:rPr lang="en-US" smtClean="0"/>
+              <a:rPr lang="en-US"/>
               <a:t>Click to edit Master subtitle style</a:t>
             </a:r>
             <a:endParaRPr lang="en-US" dirty="0"/>
@@ -243,7 +243,7 @@
           <a:p>
             <a:fld id="{5169B0FF-CDA1-4BA2-882E-918BF983E683}" type="datetimeFigureOut">
               <a:rPr lang="en-US" smtClean="0"/>
-              <a:t>12/2/2016</a:t>
+              <a:t>6/7/2020</a:t>
             </a:fld>
             <a:endParaRPr lang="en-US"/>
           </a:p>
@@ -337,7 +337,7 @@
           <a:lstStyle/>
           <a:p>
             <a:r>
-              <a:rPr lang="en-US" smtClean="0"/>
+              <a:rPr lang="en-US"/>
               <a:t>Click to edit Master title style</a:t>
             </a:r>
             <a:endParaRPr lang="en-US" dirty="0"/>
@@ -361,35 +361,35 @@
           <a:p>
             <a:pPr lvl="0"/>
             <a:r>
-              <a:rPr lang="en-US" smtClean="0"/>
+              <a:rPr lang="en-US"/>
               <a:t>Click to edit Master text styles</a:t>
             </a:r>
           </a:p>
           <a:p>
             <a:pPr lvl="1"/>
             <a:r>
-              <a:rPr lang="en-US" smtClean="0"/>
+              <a:rPr lang="en-US"/>
               <a:t>Second level</a:t>
             </a:r>
           </a:p>
           <a:p>
             <a:pPr lvl="2"/>
             <a:r>
-              <a:rPr lang="en-US" smtClean="0"/>
+              <a:rPr lang="en-US"/>
               <a:t>Third level</a:t>
             </a:r>
           </a:p>
           <a:p>
             <a:pPr lvl="3"/>
             <a:r>
-              <a:rPr lang="en-US" smtClean="0"/>
+              <a:rPr lang="en-US"/>
               <a:t>Fourth level</a:t>
             </a:r>
           </a:p>
           <a:p>
             <a:pPr lvl="4"/>
             <a:r>
-              <a:rPr lang="en-US" smtClean="0"/>
+              <a:rPr lang="en-US"/>
               <a:t>Fifth level</a:t>
             </a:r>
             <a:endParaRPr lang="en-US" dirty="0"/>
@@ -413,7 +413,7 @@
           <a:p>
             <a:fld id="{5169B0FF-CDA1-4BA2-882E-918BF983E683}" type="datetimeFigureOut">
               <a:rPr lang="en-US" smtClean="0"/>
-              <a:t>12/2/2016</a:t>
+              <a:t>6/7/2020</a:t>
             </a:fld>
             <a:endParaRPr lang="en-US"/>
           </a:p>
@@ -512,7 +512,7 @@
           <a:lstStyle/>
           <a:p>
             <a:r>
-              <a:rPr lang="en-US" smtClean="0"/>
+              <a:rPr lang="en-US"/>
               <a:t>Click to edit Master title style</a:t>
             </a:r>
             <a:endParaRPr lang="en-US" dirty="0"/>
@@ -541,35 +541,35 @@
           <a:p>
             <a:pPr lvl="0"/>
             <a:r>
-              <a:rPr lang="en-US" smtClean="0"/>
+              <a:rPr lang="en-US"/>
               <a:t>Click to edit Master text styles</a:t>
             </a:r>
           </a:p>
           <a:p>
             <a:pPr lvl="1"/>
             <a:r>
-              <a:rPr lang="en-US" smtClean="0"/>
+              <a:rPr lang="en-US"/>
               <a:t>Second level</a:t>
             </a:r>
           </a:p>
           <a:p>
             <a:pPr lvl="2"/>
             <a:r>
-              <a:rPr lang="en-US" smtClean="0"/>
+              <a:rPr lang="en-US"/>
               <a:t>Third level</a:t>
             </a:r>
           </a:p>
           <a:p>
             <a:pPr lvl="3"/>
             <a:r>
-              <a:rPr lang="en-US" smtClean="0"/>
+              <a:rPr lang="en-US"/>
               <a:t>Fourth level</a:t>
             </a:r>
           </a:p>
           <a:p>
             <a:pPr lvl="4"/>
             <a:r>
-              <a:rPr lang="en-US" smtClean="0"/>
+              <a:rPr lang="en-US"/>
               <a:t>Fifth level</a:t>
             </a:r>
             <a:endParaRPr lang="en-US" dirty="0"/>
@@ -593,7 +593,7 @@
           <a:p>
             <a:fld id="{5169B0FF-CDA1-4BA2-882E-918BF983E683}" type="datetimeFigureOut">
               <a:rPr lang="en-US" smtClean="0"/>
-              <a:t>12/2/2016</a:t>
+              <a:t>6/7/2020</a:t>
             </a:fld>
             <a:endParaRPr lang="en-US"/>
           </a:p>
@@ -687,7 +687,7 @@
           <a:lstStyle/>
           <a:p>
             <a:r>
-              <a:rPr lang="en-US" smtClean="0"/>
+              <a:rPr lang="en-US"/>
               <a:t>Click to edit Master title style</a:t>
             </a:r>
             <a:endParaRPr lang="en-US" dirty="0"/>
@@ -711,35 +711,35 @@
           <a:p>
             <a:pPr lvl="0"/>
             <a:r>
-              <a:rPr lang="en-US" smtClean="0"/>
+              <a:rPr lang="en-US"/>
               <a:t>Click to edit Master text styles</a:t>
             </a:r>
           </a:p>
           <a:p>
             <a:pPr lvl="1"/>
             <a:r>
-              <a:rPr lang="en-US" smtClean="0"/>
+              <a:rPr lang="en-US"/>
               <a:t>Second level</a:t>
             </a:r>
           </a:p>
           <a:p>
             <a:pPr lvl="2"/>
             <a:r>
-              <a:rPr lang="en-US" smtClean="0"/>
+              <a:rPr lang="en-US"/>
               <a:t>Third level</a:t>
             </a:r>
           </a:p>
           <a:p>
             <a:pPr lvl="3"/>
             <a:r>
-              <a:rPr lang="en-US" smtClean="0"/>
+              <a:rPr lang="en-US"/>
               <a:t>Fourth level</a:t>
             </a:r>
           </a:p>
           <a:p>
             <a:pPr lvl="4"/>
             <a:r>
-              <a:rPr lang="en-US" smtClean="0"/>
+              <a:rPr lang="en-US"/>
               <a:t>Fifth level</a:t>
             </a:r>
             <a:endParaRPr lang="en-US" dirty="0"/>
@@ -763,7 +763,7 @@
           <a:p>
             <a:fld id="{5169B0FF-CDA1-4BA2-882E-918BF983E683}" type="datetimeFigureOut">
               <a:rPr lang="en-US" smtClean="0"/>
-              <a:t>12/2/2016</a:t>
+              <a:t>6/7/2020</a:t>
             </a:fld>
             <a:endParaRPr lang="en-US"/>
           </a:p>
@@ -866,7 +866,7 @@
           </a:lstStyle>
           <a:p>
             <a:r>
-              <a:rPr lang="en-US" smtClean="0"/>
+              <a:rPr lang="en-US"/>
               <a:t>Click to edit Master title style</a:t>
             </a:r>
             <a:endParaRPr lang="en-US" dirty="0"/>
@@ -986,7 +986,7 @@
           <a:p>
             <a:pPr lvl="0"/>
             <a:r>
-              <a:rPr lang="en-US" smtClean="0"/>
+              <a:rPr lang="en-US"/>
               <a:t>Click to edit Master text styles</a:t>
             </a:r>
           </a:p>
@@ -1009,7 +1009,7 @@
           <a:p>
             <a:fld id="{5169B0FF-CDA1-4BA2-882E-918BF983E683}" type="datetimeFigureOut">
               <a:rPr lang="en-US" smtClean="0"/>
-              <a:t>12/2/2016</a:t>
+              <a:t>6/7/2020</a:t>
             </a:fld>
             <a:endParaRPr lang="en-US"/>
           </a:p>
@@ -1103,7 +1103,7 @@
           <a:lstStyle/>
           <a:p>
             <a:r>
-              <a:rPr lang="en-US" smtClean="0"/>
+              <a:rPr lang="en-US"/>
               <a:t>Click to edit Master title style</a:t>
             </a:r>
             <a:endParaRPr lang="en-US" dirty="0"/>
@@ -1132,35 +1132,35 @@
           <a:p>
             <a:pPr lvl="0"/>
             <a:r>
-              <a:rPr lang="en-US" smtClean="0"/>
+              <a:rPr lang="en-US"/>
               <a:t>Click to edit Master text styles</a:t>
             </a:r>
           </a:p>
           <a:p>
             <a:pPr lvl="1"/>
             <a:r>
-              <a:rPr lang="en-US" smtClean="0"/>
+              <a:rPr lang="en-US"/>
               <a:t>Second level</a:t>
             </a:r>
           </a:p>
           <a:p>
             <a:pPr lvl="2"/>
             <a:r>
-              <a:rPr lang="en-US" smtClean="0"/>
+              <a:rPr lang="en-US"/>
               <a:t>Third level</a:t>
             </a:r>
           </a:p>
           <a:p>
             <a:pPr lvl="3"/>
             <a:r>
-              <a:rPr lang="en-US" smtClean="0"/>
+              <a:rPr lang="en-US"/>
               <a:t>Fourth level</a:t>
             </a:r>
           </a:p>
           <a:p>
             <a:pPr lvl="4"/>
             <a:r>
-              <a:rPr lang="en-US" smtClean="0"/>
+              <a:rPr lang="en-US"/>
               <a:t>Fifth level</a:t>
             </a:r>
             <a:endParaRPr lang="en-US" dirty="0"/>
@@ -1189,35 +1189,35 @@
           <a:p>
             <a:pPr lvl="0"/>
             <a:r>
-              <a:rPr lang="en-US" smtClean="0"/>
+              <a:rPr lang="en-US"/>
               <a:t>Click to edit Master text styles</a:t>
             </a:r>
           </a:p>
           <a:p>
             <a:pPr lvl="1"/>
             <a:r>
-              <a:rPr lang="en-US" smtClean="0"/>
+              <a:rPr lang="en-US"/>
               <a:t>Second level</a:t>
             </a:r>
           </a:p>
           <a:p>
             <a:pPr lvl="2"/>
             <a:r>
-              <a:rPr lang="en-US" smtClean="0"/>
+              <a:rPr lang="en-US"/>
               <a:t>Third level</a:t>
             </a:r>
           </a:p>
           <a:p>
             <a:pPr lvl="3"/>
             <a:r>
-              <a:rPr lang="en-US" smtClean="0"/>
+              <a:rPr lang="en-US"/>
               <a:t>Fourth level</a:t>
             </a:r>
           </a:p>
           <a:p>
             <a:pPr lvl="4"/>
             <a:r>
-              <a:rPr lang="en-US" smtClean="0"/>
+              <a:rPr lang="en-US"/>
               <a:t>Fifth level</a:t>
             </a:r>
             <a:endParaRPr lang="en-US" dirty="0"/>
@@ -1241,7 +1241,7 @@
           <a:p>
             <a:fld id="{5169B0FF-CDA1-4BA2-882E-918BF983E683}" type="datetimeFigureOut">
               <a:rPr lang="en-US" smtClean="0"/>
-              <a:t>12/2/2016</a:t>
+              <a:t>6/7/2020</a:t>
             </a:fld>
             <a:endParaRPr lang="en-US"/>
           </a:p>
@@ -1340,7 +1340,7 @@
           <a:lstStyle/>
           <a:p>
             <a:r>
-              <a:rPr lang="en-US" smtClean="0"/>
+              <a:rPr lang="en-US"/>
               <a:t>Click to edit Master title style</a:t>
             </a:r>
             <a:endParaRPr lang="en-US" dirty="0"/>
@@ -1406,7 +1406,7 @@
           <a:p>
             <a:pPr lvl="0"/>
             <a:r>
-              <a:rPr lang="en-US" smtClean="0"/>
+              <a:rPr lang="en-US"/>
               <a:t>Click to edit Master text styles</a:t>
             </a:r>
           </a:p>
@@ -1434,35 +1434,35 @@
           <a:p>
             <a:pPr lvl="0"/>
             <a:r>
-              <a:rPr lang="en-US" smtClean="0"/>
+              <a:rPr lang="en-US"/>
               <a:t>Click to edit Master text styles</a:t>
             </a:r>
           </a:p>
           <a:p>
             <a:pPr lvl="1"/>
             <a:r>
-              <a:rPr lang="en-US" smtClean="0"/>
+              <a:rPr lang="en-US"/>
               <a:t>Second level</a:t>
             </a:r>
           </a:p>
           <a:p>
             <a:pPr lvl="2"/>
             <a:r>
-              <a:rPr lang="en-US" smtClean="0"/>
+              <a:rPr lang="en-US"/>
               <a:t>Third level</a:t>
             </a:r>
           </a:p>
           <a:p>
             <a:pPr lvl="3"/>
             <a:r>
-              <a:rPr lang="en-US" smtClean="0"/>
+              <a:rPr lang="en-US"/>
               <a:t>Fourth level</a:t>
             </a:r>
           </a:p>
           <a:p>
             <a:pPr lvl="4"/>
             <a:r>
-              <a:rPr lang="en-US" smtClean="0"/>
+              <a:rPr lang="en-US"/>
               <a:t>Fifth level</a:t>
             </a:r>
             <a:endParaRPr lang="en-US" dirty="0"/>
@@ -1528,7 +1528,7 @@
           <a:p>
             <a:pPr lvl="0"/>
             <a:r>
-              <a:rPr lang="en-US" smtClean="0"/>
+              <a:rPr lang="en-US"/>
               <a:t>Click to edit Master text styles</a:t>
             </a:r>
           </a:p>
@@ -1556,35 +1556,35 @@
           <a:p>
             <a:pPr lvl="0"/>
             <a:r>
-              <a:rPr lang="en-US" smtClean="0"/>
+              <a:rPr lang="en-US"/>
               <a:t>Click to edit Master text styles</a:t>
             </a:r>
           </a:p>
           <a:p>
             <a:pPr lvl="1"/>
             <a:r>
-              <a:rPr lang="en-US" smtClean="0"/>
+              <a:rPr lang="en-US"/>
               <a:t>Second level</a:t>
             </a:r>
           </a:p>
           <a:p>
             <a:pPr lvl="2"/>
             <a:r>
-              <a:rPr lang="en-US" smtClean="0"/>
+              <a:rPr lang="en-US"/>
               <a:t>Third level</a:t>
             </a:r>
           </a:p>
           <a:p>
             <a:pPr lvl="3"/>
             <a:r>
-              <a:rPr lang="en-US" smtClean="0"/>
+              <a:rPr lang="en-US"/>
               <a:t>Fourth level</a:t>
             </a:r>
           </a:p>
           <a:p>
             <a:pPr lvl="4"/>
             <a:r>
-              <a:rPr lang="en-US" smtClean="0"/>
+              <a:rPr lang="en-US"/>
               <a:t>Fifth level</a:t>
             </a:r>
             <a:endParaRPr lang="en-US" dirty="0"/>
@@ -1608,7 +1608,7 @@
           <a:p>
             <a:fld id="{5169B0FF-CDA1-4BA2-882E-918BF983E683}" type="datetimeFigureOut">
               <a:rPr lang="en-US" smtClean="0"/>
-              <a:t>12/2/2016</a:t>
+              <a:t>6/7/2020</a:t>
             </a:fld>
             <a:endParaRPr lang="en-US"/>
           </a:p>
@@ -1702,7 +1702,7 @@
           <a:lstStyle/>
           <a:p>
             <a:r>
-              <a:rPr lang="en-US" smtClean="0"/>
+              <a:rPr lang="en-US"/>
               <a:t>Click to edit Master title style</a:t>
             </a:r>
             <a:endParaRPr lang="en-US" dirty="0"/>
@@ -1726,7 +1726,7 @@
           <a:p>
             <a:fld id="{5169B0FF-CDA1-4BA2-882E-918BF983E683}" type="datetimeFigureOut">
               <a:rPr lang="en-US" smtClean="0"/>
-              <a:t>12/2/2016</a:t>
+              <a:t>6/7/2020</a:t>
             </a:fld>
             <a:endParaRPr lang="en-US"/>
           </a:p>
@@ -1821,7 +1821,7 @@
           <a:p>
             <a:fld id="{5169B0FF-CDA1-4BA2-882E-918BF983E683}" type="datetimeFigureOut">
               <a:rPr lang="en-US" smtClean="0"/>
-              <a:t>12/2/2016</a:t>
+              <a:t>6/7/2020</a:t>
             </a:fld>
             <a:endParaRPr lang="en-US"/>
           </a:p>
@@ -1924,7 +1924,7 @@
           </a:lstStyle>
           <a:p>
             <a:r>
-              <a:rPr lang="en-US" smtClean="0"/>
+              <a:rPr lang="en-US"/>
               <a:t>Click to edit Master title style</a:t>
             </a:r>
             <a:endParaRPr lang="en-US" dirty="0"/>
@@ -1981,35 +1981,35 @@
           <a:p>
             <a:pPr lvl="0"/>
             <a:r>
-              <a:rPr lang="en-US" smtClean="0"/>
+              <a:rPr lang="en-US"/>
               <a:t>Click to edit Master text styles</a:t>
             </a:r>
           </a:p>
           <a:p>
             <a:pPr lvl="1"/>
             <a:r>
-              <a:rPr lang="en-US" smtClean="0"/>
+              <a:rPr lang="en-US"/>
               <a:t>Second level</a:t>
             </a:r>
           </a:p>
           <a:p>
             <a:pPr lvl="2"/>
             <a:r>
-              <a:rPr lang="en-US" smtClean="0"/>
+              <a:rPr lang="en-US"/>
               <a:t>Third level</a:t>
             </a:r>
           </a:p>
           <a:p>
             <a:pPr lvl="3"/>
             <a:r>
-              <a:rPr lang="en-US" smtClean="0"/>
+              <a:rPr lang="en-US"/>
               <a:t>Fourth level</a:t>
             </a:r>
           </a:p>
           <a:p>
             <a:pPr lvl="4"/>
             <a:r>
-              <a:rPr lang="en-US" smtClean="0"/>
+              <a:rPr lang="en-US"/>
               <a:t>Fifth level</a:t>
             </a:r>
             <a:endParaRPr lang="en-US" dirty="0"/>
@@ -2075,7 +2075,7 @@
           <a:p>
             <a:pPr lvl="0"/>
             <a:r>
-              <a:rPr lang="en-US" smtClean="0"/>
+              <a:rPr lang="en-US"/>
               <a:t>Click to edit Master text styles</a:t>
             </a:r>
           </a:p>
@@ -2098,7 +2098,7 @@
           <a:p>
             <a:fld id="{5169B0FF-CDA1-4BA2-882E-918BF983E683}" type="datetimeFigureOut">
               <a:rPr lang="en-US" smtClean="0"/>
-              <a:t>12/2/2016</a:t>
+              <a:t>6/7/2020</a:t>
             </a:fld>
             <a:endParaRPr lang="en-US"/>
           </a:p>
@@ -2201,7 +2201,7 @@
           </a:lstStyle>
           <a:p>
             <a:r>
-              <a:rPr lang="en-US" smtClean="0"/>
+              <a:rPr lang="en-US"/>
               <a:t>Click to edit Master title style</a:t>
             </a:r>
             <a:endParaRPr lang="en-US" dirty="0"/>
@@ -2266,7 +2266,7 @@
           </a:lstStyle>
           <a:p>
             <a:r>
-              <a:rPr lang="en-US" smtClean="0"/>
+              <a:rPr lang="en-US"/>
               <a:t>Click icon to add picture</a:t>
             </a:r>
             <a:endParaRPr lang="en-US" dirty="0"/>
@@ -2332,7 +2332,7 @@
           <a:p>
             <a:pPr lvl="0"/>
             <a:r>
-              <a:rPr lang="en-US" smtClean="0"/>
+              <a:rPr lang="en-US"/>
               <a:t>Click to edit Master text styles</a:t>
             </a:r>
           </a:p>
@@ -2355,7 +2355,7 @@
           <a:p>
             <a:fld id="{5169B0FF-CDA1-4BA2-882E-918BF983E683}" type="datetimeFigureOut">
               <a:rPr lang="en-US" smtClean="0"/>
-              <a:t>12/2/2016</a:t>
+              <a:t>6/7/2020</a:t>
             </a:fld>
             <a:endParaRPr lang="en-US"/>
           </a:p>
@@ -2464,7 +2464,7 @@
           <a:lstStyle/>
           <a:p>
             <a:r>
-              <a:rPr lang="en-US" smtClean="0"/>
+              <a:rPr lang="en-US"/>
               <a:t>Click to edit Master title style</a:t>
             </a:r>
             <a:endParaRPr lang="en-US" dirty="0"/>
@@ -2498,35 +2498,35 @@
           <a:p>
             <a:pPr lvl="0"/>
             <a:r>
-              <a:rPr lang="en-US" smtClean="0"/>
+              <a:rPr lang="en-US"/>
               <a:t>Click to edit Master text styles</a:t>
             </a:r>
           </a:p>
           <a:p>
             <a:pPr lvl="1"/>
             <a:r>
-              <a:rPr lang="en-US" smtClean="0"/>
+              <a:rPr lang="en-US"/>
               <a:t>Second level</a:t>
             </a:r>
           </a:p>
           <a:p>
             <a:pPr lvl="2"/>
             <a:r>
-              <a:rPr lang="en-US" smtClean="0"/>
+              <a:rPr lang="en-US"/>
               <a:t>Third level</a:t>
             </a:r>
           </a:p>
           <a:p>
             <a:pPr lvl="3"/>
             <a:r>
-              <a:rPr lang="en-US" smtClean="0"/>
+              <a:rPr lang="en-US"/>
               <a:t>Fourth level</a:t>
             </a:r>
           </a:p>
           <a:p>
             <a:pPr lvl="4"/>
             <a:r>
-              <a:rPr lang="en-US" smtClean="0"/>
+              <a:rPr lang="en-US"/>
               <a:t>Fifth level</a:t>
             </a:r>
             <a:endParaRPr lang="en-US" dirty="0"/>
@@ -2568,7 +2568,7 @@
           <a:p>
             <a:fld id="{5169B0FF-CDA1-4BA2-882E-918BF983E683}" type="datetimeFigureOut">
               <a:rPr lang="en-US" smtClean="0"/>
-              <a:t>12/2/2016</a:t>
+              <a:t>6/7/2020</a:t>
             </a:fld>
             <a:endParaRPr lang="en-US"/>
           </a:p>
@@ -3657,10 +3657,9 @@
               <a:p>
                 <a:pPr algn="ctr"/>
                 <a:r>
-                  <a:rPr lang="en-US" sz="1200" dirty="0" smtClean="0"/>
+                  <a:rPr lang="en-US" sz="1200" dirty="0"/>
                   <a:t>P0</a:t>
                 </a:r>
-                <a:endParaRPr lang="en-US" sz="1200" dirty="0"/>
               </a:p>
             </p:txBody>
           </p:sp>
@@ -3699,10 +3698,9 @@
               <a:p>
                 <a:pPr algn="ctr"/>
                 <a:r>
-                  <a:rPr lang="en-US" sz="1200" dirty="0" smtClean="0"/>
+                  <a:rPr lang="en-US" sz="1200" dirty="0"/>
                   <a:t>P1</a:t>
                 </a:r>
-                <a:endParaRPr lang="en-US" sz="1200" dirty="0"/>
               </a:p>
             </p:txBody>
           </p:sp>
@@ -3741,10 +3739,9 @@
               <a:p>
                 <a:pPr algn="ctr"/>
                 <a:r>
-                  <a:rPr lang="en-US" sz="1200" dirty="0" smtClean="0"/>
+                  <a:rPr lang="en-US" sz="1200" dirty="0"/>
                   <a:t>P2</a:t>
                 </a:r>
-                <a:endParaRPr lang="en-US" sz="1200" dirty="0"/>
               </a:p>
             </p:txBody>
           </p:sp>
@@ -3784,10 +3781,9 @@
               <a:p>
                 <a:pPr algn="ctr"/>
                 <a:r>
-                  <a:rPr lang="en-US" sz="1200" dirty="0" smtClean="0"/>
+                  <a:rPr lang="en-US" sz="1200" dirty="0"/>
                   <a:t>P3</a:t>
                 </a:r>
-                <a:endParaRPr lang="en-US" sz="1200" dirty="0"/>
               </a:p>
             </p:txBody>
           </p:sp>
@@ -3826,10 +3822,9 @@
               <a:p>
                 <a:pPr algn="ctr"/>
                 <a:r>
-                  <a:rPr lang="en-US" sz="1200" dirty="0" smtClean="0"/>
+                  <a:rPr lang="en-US" sz="1200" dirty="0"/>
                   <a:t>P4</a:t>
                 </a:r>
-                <a:endParaRPr lang="en-US" sz="1200" dirty="0"/>
               </a:p>
             </p:txBody>
           </p:sp>
@@ -3868,10 +3863,9 @@
               <a:p>
                 <a:pPr algn="ctr"/>
                 <a:r>
-                  <a:rPr lang="en-US" sz="1200" dirty="0" smtClean="0"/>
+                  <a:rPr lang="en-US" sz="1200" dirty="0"/>
                   <a:t>P5</a:t>
                 </a:r>
-                <a:endParaRPr lang="en-US" sz="1200" dirty="0"/>
               </a:p>
             </p:txBody>
           </p:sp>
@@ -3910,10 +3904,9 @@
               <a:p>
                 <a:pPr algn="ctr"/>
                 <a:r>
-                  <a:rPr lang="en-US" sz="1200" dirty="0" smtClean="0"/>
+                  <a:rPr lang="en-US" sz="1200" dirty="0"/>
                   <a:t>P6</a:t>
                 </a:r>
-                <a:endParaRPr lang="en-US" sz="1200" dirty="0"/>
               </a:p>
             </p:txBody>
           </p:sp>
@@ -3952,10 +3945,9 @@
               <a:p>
                 <a:pPr algn="ctr"/>
                 <a:r>
-                  <a:rPr lang="en-US" sz="1200" dirty="0" smtClean="0"/>
+                  <a:rPr lang="en-US" sz="1200" dirty="0"/>
                   <a:t>P7</a:t>
                 </a:r>
-                <a:endParaRPr lang="en-US" sz="1200" dirty="0"/>
               </a:p>
             </p:txBody>
           </p:sp>
@@ -3994,7 +3986,7 @@
               <a:p>
                 <a:pPr algn="ctr"/>
                 <a:r>
-                  <a:rPr lang="en-US" sz="1200" dirty="0" smtClean="0"/>
+                  <a:rPr lang="en-US" sz="1200" dirty="0"/>
                   <a:t>P8</a:t>
                 </a:r>
               </a:p>
@@ -4035,10 +4027,9 @@
               <a:p>
                 <a:pPr algn="ctr"/>
                 <a:r>
-                  <a:rPr lang="en-US" sz="1200" dirty="0" smtClean="0"/>
+                  <a:rPr lang="en-US" sz="1200" dirty="0"/>
                   <a:t>PB15</a:t>
                 </a:r>
-                <a:endParaRPr lang="en-US" sz="1200" dirty="0"/>
               </a:p>
             </p:txBody>
           </p:sp>
@@ -4077,7 +4068,7 @@
               <a:p>
                 <a:pPr algn="ctr"/>
                 <a:r>
-                  <a:rPr lang="en-US" sz="1200" dirty="0" smtClean="0"/>
+                  <a:rPr lang="en-US" sz="1200" dirty="0"/>
                   <a:t>PB14</a:t>
                 </a:r>
               </a:p>
@@ -4118,7 +4109,7 @@
               <a:p>
                 <a:pPr algn="ctr"/>
                 <a:r>
-                  <a:rPr lang="en-US" sz="1200" dirty="0" smtClean="0"/>
+                  <a:rPr lang="en-US" sz="1200" dirty="0"/>
                   <a:t>PB13</a:t>
                 </a:r>
               </a:p>
@@ -4159,7 +4150,7 @@
               <a:p>
                 <a:pPr algn="ctr"/>
                 <a:r>
-                  <a:rPr lang="en-US" sz="1200" dirty="0" smtClean="0"/>
+                  <a:rPr lang="en-US" sz="1200" dirty="0"/>
                   <a:t>PB12</a:t>
                 </a:r>
               </a:p>
@@ -4200,7 +4191,7 @@
               <a:p>
                 <a:pPr algn="ctr"/>
                 <a:r>
-                  <a:rPr lang="en-US" sz="1200" dirty="0" smtClean="0"/>
+                  <a:rPr lang="en-US" sz="1200" dirty="0"/>
                   <a:t>PB10</a:t>
                 </a:r>
               </a:p>
@@ -4241,7 +4232,7 @@
               <a:p>
                 <a:pPr algn="ctr"/>
                 <a:r>
-                  <a:rPr lang="en-US" sz="1200" dirty="0" smtClean="0"/>
+                  <a:rPr lang="en-US" sz="1200" dirty="0"/>
                   <a:t>PB11</a:t>
                 </a:r>
               </a:p>
@@ -4282,7 +4273,7 @@
               <a:p>
                 <a:pPr algn="ctr"/>
                 <a:r>
-                  <a:rPr lang="en-US" sz="1200" dirty="0" smtClean="0"/>
+                  <a:rPr lang="en-US" sz="1200" dirty="0"/>
                   <a:t>PA5</a:t>
                 </a:r>
               </a:p>
@@ -4323,7 +4314,7 @@
               <a:p>
                 <a:pPr algn="ctr"/>
                 <a:r>
-                  <a:rPr lang="en-US" sz="1200" dirty="0" smtClean="0"/>
+                  <a:rPr lang="en-US" sz="1200" dirty="0"/>
                   <a:t>PD12</a:t>
                 </a:r>
               </a:p>
@@ -4364,7 +4355,7 @@
               <a:p>
                 <a:pPr algn="ctr"/>
                 <a:r>
-                  <a:rPr lang="en-US" sz="1200" dirty="0" smtClean="0"/>
+                  <a:rPr lang="en-US" sz="1200" dirty="0"/>
                   <a:t>PD13</a:t>
                 </a:r>
               </a:p>
@@ -4405,10 +4396,9 @@
               <a:p>
                 <a:pPr algn="ctr"/>
                 <a:r>
-                  <a:rPr lang="en-US" sz="1200" dirty="0" smtClean="0"/>
+                  <a:rPr lang="en-US" sz="1200" dirty="0"/>
                   <a:t>3.3V Rail (250 mA supply Max)</a:t>
                 </a:r>
-                <a:endParaRPr lang="en-US" sz="1200" dirty="0"/>
               </a:p>
             </p:txBody>
           </p:sp>
@@ -4447,10 +4437,9 @@
               <a:p>
                 <a:pPr algn="ctr"/>
                 <a:r>
-                  <a:rPr lang="en-US" sz="1200" dirty="0" smtClean="0"/>
+                  <a:rPr lang="en-US" sz="1200" dirty="0"/>
                   <a:t>GND Rail</a:t>
                 </a:r>
-                <a:endParaRPr lang="en-US" sz="1200" dirty="0"/>
               </a:p>
             </p:txBody>
           </p:sp>
@@ -4489,10 +4478,9 @@
               <a:p>
                 <a:pPr algn="ctr"/>
                 <a:r>
-                  <a:rPr lang="en-US" sz="1200" dirty="0" smtClean="0"/>
+                  <a:rPr lang="en-US" sz="1200" dirty="0"/>
                   <a:t>VIN (3.6V - 5V)</a:t>
                 </a:r>
-                <a:endParaRPr lang="en-US" sz="1200" dirty="0"/>
               </a:p>
             </p:txBody>
           </p:sp>
@@ -4531,7 +4519,7 @@
               <a:p>
                 <a:pPr algn="ctr"/>
                 <a:r>
-                  <a:rPr lang="en-US" sz="1200" dirty="0" smtClean="0"/>
+                  <a:rPr lang="en-US" sz="1200" dirty="0"/>
                   <a:t>ADC</a:t>
                 </a:r>
               </a:p>
@@ -4572,7 +4560,7 @@
               <a:p>
                 <a:pPr algn="ctr"/>
                 <a:r>
-                  <a:rPr lang="en-US" sz="1200" dirty="0" smtClean="0"/>
+                  <a:rPr lang="en-US" sz="1200" dirty="0"/>
                   <a:t>DAC</a:t>
                 </a:r>
               </a:p>
@@ -4613,14 +4601,14 @@
               <a:p>
                 <a:pPr algn="ctr"/>
                 <a:r>
-                  <a:rPr lang="en-US" sz="800" dirty="0" smtClean="0"/>
+                  <a:rPr lang="en-US" sz="800" dirty="0"/>
                   <a:t>UART 3</a:t>
                 </a:r>
               </a:p>
               <a:p>
                 <a:pPr algn="ctr"/>
                 <a:r>
-                  <a:rPr lang="en-US" sz="800" dirty="0" smtClean="0"/>
+                  <a:rPr lang="en-US" sz="800" dirty="0"/>
                   <a:t>TX</a:t>
                 </a:r>
               </a:p>
@@ -4661,14 +4649,14 @@
               <a:p>
                 <a:pPr algn="ctr"/>
                 <a:r>
-                  <a:rPr lang="en-US" sz="800" dirty="0" smtClean="0"/>
+                  <a:rPr lang="en-US" sz="800" dirty="0"/>
                   <a:t>UART 3</a:t>
                 </a:r>
               </a:p>
               <a:p>
                 <a:pPr algn="ctr"/>
                 <a:r>
-                  <a:rPr lang="en-US" sz="800" dirty="0" smtClean="0"/>
+                  <a:rPr lang="en-US" sz="800" dirty="0"/>
                   <a:t>RX</a:t>
                 </a:r>
               </a:p>
@@ -4709,14 +4697,14 @@
               <a:p>
                 <a:pPr algn="ctr"/>
                 <a:r>
-                  <a:rPr lang="en-US" sz="800" dirty="0" smtClean="0"/>
+                  <a:rPr lang="en-US" sz="800" dirty="0"/>
                   <a:t>SPI 2</a:t>
                 </a:r>
               </a:p>
               <a:p>
                 <a:pPr algn="ctr"/>
                 <a:r>
-                  <a:rPr lang="en-US" sz="800" dirty="0" smtClean="0"/>
+                  <a:rPr lang="en-US" sz="800" dirty="0"/>
                   <a:t>SCLK</a:t>
                 </a:r>
               </a:p>
@@ -4757,14 +4745,14 @@
               <a:p>
                 <a:pPr algn="ctr"/>
                 <a:r>
-                  <a:rPr lang="en-US" sz="800" dirty="0" smtClean="0"/>
+                  <a:rPr lang="en-US" sz="800" dirty="0"/>
                   <a:t>SPI 2</a:t>
                 </a:r>
               </a:p>
               <a:p>
                 <a:pPr algn="ctr"/>
                 <a:r>
-                  <a:rPr lang="en-US" sz="800" dirty="0" smtClean="0"/>
+                  <a:rPr lang="en-US" sz="800" dirty="0"/>
                   <a:t>MISO</a:t>
                 </a:r>
               </a:p>
@@ -4805,14 +4793,14 @@
               <a:p>
                 <a:pPr algn="ctr"/>
                 <a:r>
-                  <a:rPr lang="en-US" sz="800" dirty="0" smtClean="0"/>
+                  <a:rPr lang="en-US" sz="800" dirty="0"/>
                   <a:t>SPI 2</a:t>
                 </a:r>
               </a:p>
               <a:p>
                 <a:pPr algn="ctr"/>
                 <a:r>
-                  <a:rPr lang="en-US" sz="800" dirty="0" smtClean="0"/>
+                  <a:rPr lang="en-US" sz="800" dirty="0"/>
                   <a:t>MOSI</a:t>
                 </a:r>
               </a:p>
@@ -4853,14 +4841,14 @@
               <a:p>
                 <a:pPr algn="ctr"/>
                 <a:r>
-                  <a:rPr lang="en-US" sz="800" dirty="0" smtClean="0"/>
+                  <a:rPr lang="en-US" sz="800" dirty="0"/>
                   <a:t>SPI 2</a:t>
                 </a:r>
               </a:p>
               <a:p>
                 <a:pPr algn="ctr"/>
                 <a:r>
-                  <a:rPr lang="en-US" sz="800" dirty="0" smtClean="0"/>
+                  <a:rPr lang="en-US" sz="800" dirty="0"/>
                   <a:t>SS</a:t>
                 </a:r>
               </a:p>
@@ -4901,14 +4889,14 @@
               <a:p>
                 <a:pPr algn="ctr"/>
                 <a:r>
-                  <a:rPr lang="en-US" sz="800" dirty="0" smtClean="0"/>
+                  <a:rPr lang="en-US" sz="800" dirty="0"/>
                   <a:t>I2C 2</a:t>
                 </a:r>
               </a:p>
               <a:p>
                 <a:pPr algn="ctr"/>
                 <a:r>
-                  <a:rPr lang="en-US" sz="800" dirty="0" smtClean="0"/>
+                  <a:rPr lang="en-US" sz="800" dirty="0"/>
                   <a:t>SDA</a:t>
                 </a:r>
               </a:p>
@@ -4949,14 +4937,14 @@
               <a:p>
                 <a:pPr algn="ctr"/>
                 <a:r>
-                  <a:rPr lang="en-US" sz="800" dirty="0" smtClean="0"/>
+                  <a:rPr lang="en-US" sz="800" dirty="0"/>
                   <a:t>I2C 2</a:t>
                 </a:r>
               </a:p>
               <a:p>
                 <a:pPr algn="ctr"/>
                 <a:r>
-                  <a:rPr lang="en-US" sz="800" dirty="0" smtClean="0"/>
+                  <a:rPr lang="en-US" sz="800" dirty="0"/>
                   <a:t>SCL</a:t>
                 </a:r>
               </a:p>
@@ -4997,7 +4985,7 @@
               <a:p>
                 <a:pPr algn="ctr"/>
                 <a:r>
-                  <a:rPr lang="en-US" sz="800" dirty="0" smtClean="0"/>
+                  <a:rPr lang="en-US" sz="800" dirty="0"/>
                   <a:t>Servo 1</a:t>
                 </a:r>
               </a:p>
@@ -5038,7 +5026,7 @@
               <a:p>
                 <a:pPr algn="ctr"/>
                 <a:r>
-                  <a:rPr lang="en-US" sz="800" dirty="0" smtClean="0"/>
+                  <a:rPr lang="en-US" sz="800" dirty="0"/>
                   <a:t>Servo 2</a:t>
                 </a:r>
               </a:p>
@@ -5097,14 +5085,11 @@
               <a:lstStyle/>
               <a:p>
                 <a:r>
-                  <a:rPr lang="en-US" dirty="0" smtClean="0">
+                  <a:rPr lang="en-US" dirty="0">
                     <a:latin typeface="Arial Black" panose="020B0A04020102020204" pitchFamily="34" charset="0"/>
                   </a:rPr>
                   <a:t>OpenMV Cam</a:t>
                 </a:r>
-                <a:endParaRPr lang="en-US" dirty="0">
-                  <a:latin typeface="Arial Black" panose="020B0A04020102020204" pitchFamily="34" charset="0"/>
-                </a:endParaRPr>
               </a:p>
             </p:txBody>
           </p:sp>
@@ -5144,25 +5129,25 @@
               <a:lstStyle/>
               <a:p>
                 <a:r>
-                  <a:rPr lang="en-US" sz="1200" dirty="0" smtClean="0"/>
+                  <a:rPr lang="en-US" sz="1200" dirty="0"/>
                   <a:t>LED1 – Red</a:t>
                 </a:r>
               </a:p>
               <a:p>
                 <a:r>
-                  <a:rPr lang="en-US" sz="1200" dirty="0" smtClean="0"/>
+                  <a:rPr lang="en-US" sz="1200" dirty="0"/>
                   <a:t>LED2 – Green</a:t>
                 </a:r>
               </a:p>
               <a:p>
                 <a:r>
-                  <a:rPr lang="en-US" sz="1200" dirty="0" smtClean="0"/>
+                  <a:rPr lang="en-US" sz="1200" dirty="0"/>
                   <a:t>LED3 – Blue</a:t>
                 </a:r>
               </a:p>
               <a:p>
                 <a:r>
-                  <a:rPr lang="en-US" sz="1200" dirty="0" smtClean="0"/>
+                  <a:rPr lang="en-US" sz="1200" dirty="0"/>
                   <a:t>LED4 – IR</a:t>
                 </a:r>
               </a:p>
@@ -5176,8 +5161,8 @@
             </p:nvSpPr>
             <p:spPr>
               <a:xfrm>
-                <a:off x="8778240" y="2476464"/>
-                <a:ext cx="1319785" cy="646331"/>
+                <a:off x="8778238" y="2349498"/>
+                <a:ext cx="1319785" cy="830997"/>
               </a:xfrm>
               <a:prstGeom prst="rect">
                 <a:avLst/>
@@ -5198,29 +5183,36 @@
               </a:fontRef>
             </p:style>
             <p:txBody>
-              <a:bodyPr wrap="none" rtlCol="0">
+              <a:bodyPr wrap="square" rtlCol="0">
                 <a:spAutoFit/>
               </a:bodyPr>
               <a:lstStyle/>
               <a:p>
                 <a:pPr algn="ctr"/>
                 <a:r>
-                  <a:rPr lang="en-US" sz="1200" dirty="0" smtClean="0"/>
+                  <a:rPr lang="en-US" sz="1200" dirty="0"/>
                   <a:t>Micro SD Slot</a:t>
                 </a:r>
               </a:p>
               <a:p>
                 <a:pPr algn="ctr"/>
                 <a:r>
-                  <a:rPr lang="en-US" sz="1200" dirty="0" smtClean="0"/>
+                  <a:rPr lang="en-US" sz="1200" dirty="0"/>
                   <a:t>SD &lt; 2GB Max</a:t>
                 </a:r>
               </a:p>
               <a:p>
                 <a:pPr algn="ctr"/>
                 <a:r>
-                  <a:rPr lang="en-US" sz="1200" dirty="0" smtClean="0"/>
+                  <a:rPr lang="en-US" sz="1200" dirty="0"/>
                   <a:t>SDHC &lt; 32GB Max</a:t>
+                </a:r>
+              </a:p>
+              <a:p>
+                <a:pPr algn="ctr"/>
+                <a:r>
+                  <a:rPr lang="en-US" sz="1200" dirty="0"/>
+                  <a:t>SDXC &lt; 2TB Max</a:t>
                 </a:r>
               </a:p>
             </p:txBody>
@@ -5249,17 +5241,16 @@
               <a:p>
                 <a:pPr algn="ctr"/>
                 <a:r>
-                  <a:rPr lang="en-US" sz="1000" dirty="0" smtClean="0"/>
+                  <a:rPr lang="en-US" sz="1000" dirty="0"/>
                   <a:t>Pin</a:t>
                 </a:r>
               </a:p>
               <a:p>
                 <a:pPr algn="ctr"/>
                 <a:r>
-                  <a:rPr lang="en-US" sz="1000" dirty="0" smtClean="0"/>
+                  <a:rPr lang="en-US" sz="1000" dirty="0"/>
                   <a:t>Name</a:t>
                 </a:r>
-                <a:endParaRPr lang="en-US" sz="1000" dirty="0"/>
               </a:p>
             </p:txBody>
           </p:sp>
@@ -5287,17 +5278,16 @@
               <a:p>
                 <a:pPr algn="ctr"/>
                 <a:r>
-                  <a:rPr lang="en-US" sz="1000" dirty="0" smtClean="0"/>
+                  <a:rPr lang="en-US" sz="1000" dirty="0"/>
                   <a:t>CPU</a:t>
                 </a:r>
               </a:p>
               <a:p>
                 <a:pPr algn="ctr"/>
                 <a:r>
-                  <a:rPr lang="en-US" sz="1000" dirty="0" smtClean="0"/>
+                  <a:rPr lang="en-US" sz="1000" dirty="0"/>
                   <a:t>Name</a:t>
                 </a:r>
-                <a:endParaRPr lang="en-US" sz="1000" dirty="0"/>
               </a:p>
             </p:txBody>
           </p:sp>
@@ -5325,17 +5315,16 @@
               <a:p>
                 <a:pPr algn="ctr"/>
                 <a:r>
-                  <a:rPr lang="en-US" sz="1000" dirty="0" smtClean="0"/>
+                  <a:rPr lang="en-US" sz="1000" dirty="0"/>
                   <a:t>Pin</a:t>
                 </a:r>
               </a:p>
               <a:p>
                 <a:pPr algn="ctr"/>
                 <a:r>
-                  <a:rPr lang="en-US" sz="1000" dirty="0" smtClean="0"/>
+                  <a:rPr lang="en-US" sz="1000" dirty="0"/>
                   <a:t>Name</a:t>
                 </a:r>
-                <a:endParaRPr lang="en-US" sz="1000" dirty="0"/>
               </a:p>
             </p:txBody>
           </p:sp>
@@ -5363,17 +5352,16 @@
               <a:p>
                 <a:pPr algn="ctr"/>
                 <a:r>
-                  <a:rPr lang="en-US" sz="1000" dirty="0" smtClean="0"/>
+                  <a:rPr lang="en-US" sz="1000" dirty="0"/>
                   <a:t>CPU</a:t>
                 </a:r>
               </a:p>
               <a:p>
                 <a:pPr algn="ctr"/>
                 <a:r>
-                  <a:rPr lang="en-US" sz="1000" dirty="0" smtClean="0"/>
+                  <a:rPr lang="en-US" sz="1000" dirty="0"/>
                   <a:t>Name</a:t>
                 </a:r>
-                <a:endParaRPr lang="en-US" sz="1000" dirty="0"/>
               </a:p>
             </p:txBody>
           </p:sp>
@@ -5412,10 +5400,9 @@
               <a:p>
                 <a:pPr algn="ctr"/>
                 <a:r>
-                  <a:rPr lang="en-US" sz="1200" dirty="0" smtClean="0"/>
+                  <a:rPr lang="en-US" sz="1200" dirty="0"/>
                   <a:t>Reset (Connect to GND to reset)</a:t>
                 </a:r>
-                <a:endParaRPr lang="en-US" sz="1200" dirty="0"/>
               </a:p>
             </p:txBody>
           </p:sp>
@@ -5454,10 +5441,9 @@
               <a:p>
                 <a:pPr algn="ctr"/>
                 <a:r>
-                  <a:rPr lang="en-US" sz="1200" dirty="0" smtClean="0"/>
+                  <a:rPr lang="en-US" sz="1200" dirty="0"/>
                   <a:t>BOOT 0 (Connect to 3.3V for DFU mode)</a:t>
                 </a:r>
-                <a:endParaRPr lang="en-US" sz="1200" dirty="0"/>
               </a:p>
             </p:txBody>
           </p:sp>
@@ -5496,7 +5482,7 @@
               <a:p>
                 <a:pPr algn="ctr"/>
                 <a:r>
-                  <a:rPr lang="en-US" sz="1200" dirty="0" smtClean="0"/>
+                  <a:rPr lang="en-US" sz="1200" dirty="0"/>
                   <a:t>ARM SWD Data (For Debugger access)</a:t>
                 </a:r>
               </a:p>
@@ -5537,10 +5523,9 @@
               <a:p>
                 <a:pPr algn="ctr"/>
                 <a:r>
-                  <a:rPr lang="en-US" sz="1200" dirty="0" smtClean="0"/>
+                  <a:rPr lang="en-US" sz="1200" dirty="0"/>
                   <a:t>ARM SWD Clock (For Debugger access)</a:t>
                 </a:r>
-                <a:endParaRPr lang="en-US" sz="1200" dirty="0"/>
               </a:p>
             </p:txBody>
           </p:sp>
@@ -5579,7 +5564,7 @@
               <a:p>
                 <a:pPr algn="ctr"/>
                 <a:r>
-                  <a:rPr lang="en-US" sz="800" dirty="0" smtClean="0"/>
+                  <a:rPr lang="en-US" sz="800" dirty="0"/>
                   <a:t>TIM4 CH1</a:t>
                 </a:r>
               </a:p>
@@ -5620,7 +5605,7 @@
               <a:p>
                 <a:pPr algn="ctr"/>
                 <a:r>
-                  <a:rPr lang="en-US" sz="800" dirty="0" smtClean="0"/>
+                  <a:rPr lang="en-US" sz="800" dirty="0"/>
                   <a:t>TIM4 CH2</a:t>
                 </a:r>
               </a:p>
@@ -5661,14 +5646,14 @@
               <a:p>
                 <a:pPr algn="ctr"/>
                 <a:r>
-                  <a:rPr lang="en-US" sz="800" dirty="0" smtClean="0"/>
+                  <a:rPr lang="en-US" sz="800" dirty="0"/>
                   <a:t>TM1</a:t>
                 </a:r>
               </a:p>
               <a:p>
                 <a:pPr algn="ctr"/>
                 <a:r>
-                  <a:rPr lang="en-US" sz="800" dirty="0" smtClean="0"/>
+                  <a:rPr lang="en-US" sz="800" dirty="0"/>
                   <a:t>CH3N</a:t>
                 </a:r>
               </a:p>
@@ -5709,14 +5694,14 @@
               <a:p>
                 <a:pPr algn="ctr"/>
                 <a:r>
-                  <a:rPr lang="en-US" sz="800" dirty="0" smtClean="0"/>
+                  <a:rPr lang="en-US" sz="800" dirty="0"/>
                   <a:t>TM1</a:t>
                 </a:r>
               </a:p>
               <a:p>
                 <a:pPr algn="ctr"/>
                 <a:r>
-                  <a:rPr lang="en-US" sz="800" dirty="0" smtClean="0"/>
+                  <a:rPr lang="en-US" sz="800" dirty="0"/>
                   <a:t>CH2N</a:t>
                 </a:r>
               </a:p>
@@ -5757,14 +5742,14 @@
               <a:p>
                 <a:pPr algn="ctr"/>
                 <a:r>
-                  <a:rPr lang="en-US" sz="800" dirty="0" smtClean="0"/>
+                  <a:rPr lang="en-US" sz="800" dirty="0"/>
                   <a:t>TM1</a:t>
                 </a:r>
               </a:p>
               <a:p>
                 <a:pPr algn="ctr"/>
                 <a:r>
-                  <a:rPr lang="en-US" sz="800" dirty="0" smtClean="0"/>
+                  <a:rPr lang="en-US" sz="800" dirty="0"/>
                   <a:t>CH1N</a:t>
                 </a:r>
               </a:p>
@@ -5818,14 +5803,14 @@
               <a:p>
                 <a:pPr algn="ctr"/>
                 <a:r>
-                  <a:rPr lang="en-US" sz="800" dirty="0" smtClean="0"/>
+                  <a:rPr lang="en-US" sz="800" dirty="0"/>
                   <a:t>TIM2</a:t>
                 </a:r>
               </a:p>
               <a:p>
                 <a:pPr algn="ctr"/>
                 <a:r>
-                  <a:rPr lang="en-US" sz="800" dirty="0" smtClean="0"/>
+                  <a:rPr lang="en-US" sz="800" dirty="0"/>
                   <a:t>CH3</a:t>
                 </a:r>
               </a:p>
@@ -5879,14 +5864,14 @@
               <a:p>
                 <a:pPr algn="ctr"/>
                 <a:r>
-                  <a:rPr lang="en-US" sz="800" dirty="0" smtClean="0"/>
+                  <a:rPr lang="en-US" sz="800" dirty="0"/>
                   <a:t>TIM2</a:t>
                 </a:r>
               </a:p>
               <a:p>
                 <a:pPr algn="ctr"/>
                 <a:r>
-                  <a:rPr lang="en-US" sz="800" dirty="0" smtClean="0"/>
+                  <a:rPr lang="en-US" sz="800" dirty="0"/>
                   <a:t>CH4</a:t>
                 </a:r>
               </a:p>
@@ -5940,14 +5925,14 @@
               <a:p>
                 <a:pPr algn="ctr"/>
                 <a:r>
-                  <a:rPr lang="en-US" sz="800" dirty="0" smtClean="0"/>
+                  <a:rPr lang="en-US" sz="800" dirty="0"/>
                   <a:t>TIM2</a:t>
                 </a:r>
               </a:p>
               <a:p>
                 <a:pPr algn="ctr"/>
                 <a:r>
-                  <a:rPr lang="en-US" sz="800" dirty="0" smtClean="0"/>
+                  <a:rPr lang="en-US" sz="800" dirty="0"/>
                   <a:t>CH1</a:t>
                 </a:r>
               </a:p>
@@ -5977,10 +5962,9 @@
               <a:p>
                 <a:pPr algn="ctr"/>
                 <a:r>
-                  <a:rPr lang="en-US" sz="1000" dirty="0" smtClean="0"/>
+                  <a:rPr lang="en-US" sz="1000" dirty="0"/>
                   <a:t>Peripherals / Timers</a:t>
                 </a:r>
-                <a:endParaRPr lang="en-US" sz="1000" dirty="0"/>
               </a:p>
             </p:txBody>
           </p:sp>
@@ -6008,10 +5992,9 @@
               <a:p>
                 <a:pPr algn="ctr"/>
                 <a:r>
-                  <a:rPr lang="en-US" sz="1000" dirty="0" smtClean="0"/>
+                  <a:rPr lang="en-US" sz="1000" dirty="0"/>
                   <a:t>Peripherals / Timers</a:t>
                 </a:r>
-                <a:endParaRPr lang="en-US" sz="1000" dirty="0"/>
               </a:p>
             </p:txBody>
           </p:sp>
@@ -6051,48 +6034,48 @@
               <a:lstStyle/>
               <a:p>
                 <a:r>
-                  <a:rPr lang="en-US" sz="1200" dirty="0" smtClean="0"/>
+                  <a:rPr lang="en-US" sz="1200" dirty="0"/>
                   <a:t>All pins are 5V tolerant</a:t>
                 </a:r>
                 <a:r>
-                  <a:rPr lang="en-US" sz="1200" baseline="30000" dirty="0" smtClean="0"/>
+                  <a:rPr lang="en-US" sz="1200" baseline="30000" dirty="0"/>
                   <a:t>1</a:t>
                 </a:r>
                 <a:r>
-                  <a:rPr lang="en-US" sz="1200" dirty="0" smtClean="0"/>
+                  <a:rPr lang="en-US" sz="1200" dirty="0"/>
                   <a:t> with a 3.3V output</a:t>
                 </a:r>
               </a:p>
               <a:p>
                 <a:r>
-                  <a:rPr lang="en-US" sz="1200" dirty="0" smtClean="0"/>
+                  <a:rPr lang="en-US" sz="1200" dirty="0"/>
                   <a:t>All pins can sink or source up to 25 mA</a:t>
                 </a:r>
                 <a:r>
-                  <a:rPr lang="en-US" sz="1200" baseline="30000" dirty="0" smtClean="0"/>
+                  <a:rPr lang="en-US" sz="1200" baseline="30000" dirty="0"/>
                   <a:t>2</a:t>
                 </a:r>
               </a:p>
               <a:p>
-                <a:endParaRPr lang="en-US" sz="1200" dirty="0" smtClean="0"/>
-              </a:p>
-              <a:p>
-                <a:r>
-                  <a:rPr lang="en-US" sz="1200" baseline="30000" dirty="0" smtClean="0"/>
+                <a:endParaRPr lang="en-US" sz="1200" dirty="0"/>
+              </a:p>
+              <a:p>
+                <a:r>
+                  <a:rPr lang="en-US" sz="1200" baseline="30000" dirty="0"/>
                   <a:t>1 </a:t>
                 </a:r>
                 <a:r>
-                  <a:rPr lang="en-US" sz="1200" dirty="0" smtClean="0"/>
+                  <a:rPr lang="en-US" sz="1200" dirty="0"/>
                   <a:t>P6 is not 5V tolerant in ADC or DAC mode</a:t>
                 </a:r>
               </a:p>
               <a:p>
                 <a:r>
-                  <a:rPr lang="en-US" sz="1200" baseline="30000" dirty="0" smtClean="0"/>
+                  <a:rPr lang="en-US" sz="1200" baseline="30000" dirty="0"/>
                   <a:t>2 </a:t>
                 </a:r>
                 <a:r>
-                  <a:rPr lang="en-US" sz="1200" dirty="0" smtClean="0"/>
+                  <a:rPr lang="en-US" sz="1200" dirty="0"/>
                   <a:t>Up to 120mA in total between all pins</a:t>
                 </a:r>
               </a:p>
@@ -6134,13 +6117,13 @@
               <a:lstStyle/>
               <a:p>
                 <a:r>
-                  <a:rPr lang="en-US" sz="1200" dirty="0" smtClean="0"/>
+                  <a:rPr lang="en-US" sz="1200" dirty="0"/>
                   <a:t>Max current used wo/ µSD card &lt; 150 mA</a:t>
                 </a:r>
               </a:p>
               <a:p>
                 <a:r>
-                  <a:rPr lang="en-US" sz="1200" dirty="0" smtClean="0"/>
+                  <a:rPr lang="en-US" sz="1200" dirty="0"/>
                   <a:t>Max current used w/ µSD card &lt; 250 mA</a:t>
                 </a:r>
               </a:p>
@@ -6170,7 +6153,7 @@
               <a:p>
                 <a:pPr algn="r"/>
                 <a:r>
-                  <a:rPr lang="en-US" sz="1050" dirty="0" smtClean="0">
+                  <a:rPr lang="en-US" sz="1050" dirty="0">
                     <a:cs typeface="Arial" panose="020B0604020202020204" pitchFamily="34" charset="0"/>
                   </a:rPr>
                   <a:t>By: Ibrahim Abdelkader &amp; Kwabena W. Agyeman</a:t>
@@ -6179,14 +6162,11 @@
               <a:p>
                 <a:pPr algn="r"/>
                 <a:r>
-                  <a:rPr lang="en-US" sz="1050" dirty="0" smtClean="0">
+                  <a:rPr lang="en-US" sz="1050" dirty="0">
                     <a:cs typeface="Arial" panose="020B0604020202020204" pitchFamily="34" charset="0"/>
                   </a:rPr>
                   <a:t>https://.openmv.io</a:t>
                 </a:r>
-                <a:endParaRPr lang="en-US" sz="1050" dirty="0">
-                  <a:cs typeface="Arial" panose="020B0604020202020204" pitchFamily="34" charset="0"/>
-                </a:endParaRPr>
               </a:p>
             </p:txBody>
           </p:sp>
@@ -6239,14 +6219,14 @@
             <a:p>
               <a:pPr algn="ctr"/>
               <a:r>
-                <a:rPr lang="en-US" sz="800" dirty="0" smtClean="0"/>
+                <a:rPr lang="en-US" sz="800" dirty="0"/>
                 <a:t>CAN2</a:t>
               </a:r>
             </a:p>
             <a:p>
               <a:pPr algn="ctr"/>
               <a:r>
-                <a:rPr lang="en-US" sz="800" dirty="0" smtClean="0"/>
+                <a:rPr lang="en-US" sz="800" dirty="0"/>
                 <a:t>RX</a:t>
               </a:r>
             </a:p>
@@ -6300,14 +6280,14 @@
             <a:p>
               <a:pPr algn="ctr"/>
               <a:r>
-                <a:rPr lang="en-US" sz="800" dirty="0" smtClean="0"/>
+                <a:rPr lang="en-US" sz="800" dirty="0"/>
                 <a:t>CAN2</a:t>
               </a:r>
             </a:p>
             <a:p>
               <a:pPr algn="ctr"/>
               <a:r>
-                <a:rPr lang="en-US" sz="800" dirty="0" smtClean="0"/>
+                <a:rPr lang="en-US" sz="800" dirty="0"/>
                 <a:t>TX</a:t>
               </a:r>
             </a:p>
@@ -6324,13 +6304,6 @@
   <p:clrMapOvr>
     <a:masterClrMapping/>
   </p:clrMapOvr>
-  <p:timing>
-    <p:tnLst>
-      <p:par>
-        <p:cTn id="1" dur="indefinite" restart="never" nodeType="tmRoot"/>
-      </p:par>
-    </p:tnLst>
-  </p:timing>
 </p:sld>
 </file>
 
